--- a/PLAN FOR FREE MARKETING.pptx
+++ b/PLAN FOR FREE MARKETING.pptx
@@ -268,7 +268,7 @@
           <a:p>
             <a:fld id="{FF630269-B2E7-4FB9-9CED-F8B2BA53C81E}" type="datetimeFigureOut">
               <a:rPr lang="en-IN" smtClean="0"/>
-              <a:t>25-07-2025</a:t>
+              <a:t>31-07-2025</a:t>
             </a:fld>
             <a:endParaRPr lang="en-IN"/>
           </a:p>
@@ -468,7 +468,7 @@
           <a:p>
             <a:fld id="{FF630269-B2E7-4FB9-9CED-F8B2BA53C81E}" type="datetimeFigureOut">
               <a:rPr lang="en-IN" smtClean="0"/>
-              <a:t>25-07-2025</a:t>
+              <a:t>31-07-2025</a:t>
             </a:fld>
             <a:endParaRPr lang="en-IN"/>
           </a:p>
@@ -678,7 +678,7 @@
           <a:p>
             <a:fld id="{FF630269-B2E7-4FB9-9CED-F8B2BA53C81E}" type="datetimeFigureOut">
               <a:rPr lang="en-IN" smtClean="0"/>
-              <a:t>25-07-2025</a:t>
+              <a:t>31-07-2025</a:t>
             </a:fld>
             <a:endParaRPr lang="en-IN"/>
           </a:p>
@@ -878,7 +878,7 @@
           <a:p>
             <a:fld id="{FF630269-B2E7-4FB9-9CED-F8B2BA53C81E}" type="datetimeFigureOut">
               <a:rPr lang="en-IN" smtClean="0"/>
-              <a:t>25-07-2025</a:t>
+              <a:t>31-07-2025</a:t>
             </a:fld>
             <a:endParaRPr lang="en-IN"/>
           </a:p>
@@ -1154,7 +1154,7 @@
           <a:p>
             <a:fld id="{FF630269-B2E7-4FB9-9CED-F8B2BA53C81E}" type="datetimeFigureOut">
               <a:rPr lang="en-IN" smtClean="0"/>
-              <a:t>25-07-2025</a:t>
+              <a:t>31-07-2025</a:t>
             </a:fld>
             <a:endParaRPr lang="en-IN"/>
           </a:p>
@@ -1422,7 +1422,7 @@
           <a:p>
             <a:fld id="{FF630269-B2E7-4FB9-9CED-F8B2BA53C81E}" type="datetimeFigureOut">
               <a:rPr lang="en-IN" smtClean="0"/>
-              <a:t>25-07-2025</a:t>
+              <a:t>31-07-2025</a:t>
             </a:fld>
             <a:endParaRPr lang="en-IN"/>
           </a:p>
@@ -1837,7 +1837,7 @@
           <a:p>
             <a:fld id="{FF630269-B2E7-4FB9-9CED-F8B2BA53C81E}" type="datetimeFigureOut">
               <a:rPr lang="en-IN" smtClean="0"/>
-              <a:t>25-07-2025</a:t>
+              <a:t>31-07-2025</a:t>
             </a:fld>
             <a:endParaRPr lang="en-IN"/>
           </a:p>
@@ -1979,7 +1979,7 @@
           <a:p>
             <a:fld id="{FF630269-B2E7-4FB9-9CED-F8B2BA53C81E}" type="datetimeFigureOut">
               <a:rPr lang="en-IN" smtClean="0"/>
-              <a:t>25-07-2025</a:t>
+              <a:t>31-07-2025</a:t>
             </a:fld>
             <a:endParaRPr lang="en-IN"/>
           </a:p>
@@ -2092,7 +2092,7 @@
           <a:p>
             <a:fld id="{FF630269-B2E7-4FB9-9CED-F8B2BA53C81E}" type="datetimeFigureOut">
               <a:rPr lang="en-IN" smtClean="0"/>
-              <a:t>25-07-2025</a:t>
+              <a:t>31-07-2025</a:t>
             </a:fld>
             <a:endParaRPr lang="en-IN"/>
           </a:p>
@@ -2405,7 +2405,7 @@
           <a:p>
             <a:fld id="{FF630269-B2E7-4FB9-9CED-F8B2BA53C81E}" type="datetimeFigureOut">
               <a:rPr lang="en-IN" smtClean="0"/>
-              <a:t>25-07-2025</a:t>
+              <a:t>31-07-2025</a:t>
             </a:fld>
             <a:endParaRPr lang="en-IN"/>
           </a:p>
@@ -2694,7 +2694,7 @@
           <a:p>
             <a:fld id="{FF630269-B2E7-4FB9-9CED-F8B2BA53C81E}" type="datetimeFigureOut">
               <a:rPr lang="en-IN" smtClean="0"/>
-              <a:t>25-07-2025</a:t>
+              <a:t>31-07-2025</a:t>
             </a:fld>
             <a:endParaRPr lang="en-IN"/>
           </a:p>
@@ -2937,7 +2937,7 @@
           <a:p>
             <a:fld id="{FF630269-B2E7-4FB9-9CED-F8B2BA53C81E}" type="datetimeFigureOut">
               <a:rPr lang="en-IN" smtClean="0"/>
-              <a:t>25-07-2025</a:t>
+              <a:t>31-07-2025</a:t>
             </a:fld>
             <a:endParaRPr lang="en-IN"/>
           </a:p>
@@ -4310,7 +4310,7 @@
         <p:spPr>
           <a:xfrm>
             <a:off x="402771" y="914400"/>
-            <a:ext cx="11299372" cy="4893647"/>
+            <a:ext cx="11299372" cy="5262979"/>
           </a:xfrm>
           <a:prstGeom prst="rect">
             <a:avLst/>
@@ -4389,7 +4389,7 @@
           <a:p>
             <a:r>
               <a:rPr lang="en-US" sz="2400" dirty="0"/>
-              <a:t>Reel: “Creating reel with incident mapping to promoting product”</a:t>
+              <a:t>Reel: “Create reels based on real-life incidents related to family and finance and connect it to the product.”</a:t>
             </a:r>
           </a:p>
           <a:p>
@@ -4590,7 +4590,7 @@
           <a:p>
             <a:r>
               <a:rPr lang="en-US" sz="2400" dirty="0"/>
-              <a:t>Comment on similar problem’s like:</a:t>
+              <a:t>Comment on related user problems and answer questions like:</a:t>
             </a:r>
           </a:p>
           <a:p>
@@ -4621,7 +4621,7 @@
               <a:rPr lang="en-US" sz="2400" dirty="0">
                 <a:sym typeface="Wingdings" panose="05000000000000000000" pitchFamily="2" charset="2"/>
               </a:rPr>
-              <a:t>=&gt;Sorry for you lose but this doesn’t happen again you can use Uttaradhikari</a:t>
+              <a:t>=&gt;Sorry for your loss but this doesn’t happen again you can use Uttaradhikari</a:t>
             </a:r>
           </a:p>
           <a:p>
@@ -4976,19 +4976,13 @@
             </a:r>
           </a:p>
           <a:p>
-            <a:pPr marL="0" marR="0" lvl="0" indent="0" algn="l" defTabSz="914400" rtl="0" eaLnBrk="0" fontAlgn="base" latinLnBrk="0" hangingPunct="0">
-              <a:lnSpc>
-                <a:spcPct val="100000"/>
-              </a:lnSpc>
+            <a:pPr lvl="0" eaLnBrk="0" fontAlgn="base" hangingPunct="0">
               <a:spcBef>
                 <a:spcPct val="0"/>
               </a:spcBef>
               <a:spcAft>
                 <a:spcPct val="0"/>
               </a:spcAft>
-              <a:buClrTx/>
-              <a:buSzTx/>
-              <a:tabLst/>
             </a:pPr>
             <a:r>
               <a:rPr kumimoji="0" lang="en-US" altLang="en-US" sz="2400" b="0" i="0" u="none" strike="noStrike" cap="none" normalizeH="0" baseline="0" dirty="0">
@@ -5004,17 +4998,8 @@
               <a:t>Shortlist </a:t>
             </a:r>
             <a:r>
-              <a:rPr kumimoji="0" lang="en-US" altLang="en-US" sz="2400" b="1" i="0" u="none" strike="noStrike" cap="none" normalizeH="0" baseline="0" dirty="0">
-                <a:ln>
-                  <a:noFill/>
-                </a:ln>
-                <a:solidFill>
-                  <a:schemeClr val="tx1"/>
-                </a:solidFill>
-                <a:effectLst/>
-                <a:latin typeface="Arial" panose="020B0604020202020204" pitchFamily="34" charset="0"/>
-              </a:rPr>
-              <a:t>15–20(min) influencers</a:t>
+              <a:rPr lang="en-IN" sz="2400" b="1" dirty="0"/>
+              <a:t>at least 15–20 micro-influencers </a:t>
             </a:r>
             <a:r>
               <a:rPr kumimoji="0" lang="en-US" altLang="en-US" sz="2400" b="0" i="0" u="none" strike="noStrike" cap="none" normalizeH="0" baseline="0" dirty="0">
@@ -5027,7 +5012,7 @@
                 <a:effectLst/>
                 <a:latin typeface="Arial" panose="020B0604020202020204" pitchFamily="34" charset="0"/>
               </a:rPr>
-              <a:t> with:</a:t>
+              <a:t>with:</a:t>
             </a:r>
           </a:p>
           <a:p>
@@ -5183,21 +5168,13 @@
             </a:r>
           </a:p>
           <a:p>
-            <a:pPr marL="0" marR="0" lvl="0" indent="0" algn="l" defTabSz="914400" rtl="0" eaLnBrk="0" fontAlgn="base" latinLnBrk="0" hangingPunct="0">
-              <a:lnSpc>
-                <a:spcPct val="100000"/>
-              </a:lnSpc>
+            <a:pPr lvl="0" eaLnBrk="0" fontAlgn="base" hangingPunct="0">
               <a:spcBef>
                 <a:spcPct val="0"/>
               </a:spcBef>
               <a:spcAft>
                 <a:spcPct val="0"/>
               </a:spcAft>
-              <a:buClrTx/>
-              <a:buSzTx/>
-              <a:buFontTx/>
-              <a:buNone/>
-              <a:tabLst/>
             </a:pPr>
             <a:r>
               <a:rPr kumimoji="0" lang="en-US" altLang="en-US" sz="2400" b="0" i="0" u="none" strike="noStrike" cap="none" normalizeH="0" baseline="0" dirty="0">
@@ -5225,6 +5202,10 @@
               </a:rPr>
             </a:br>
             <a:r>
+              <a:rPr lang="en-US" sz="2400" dirty="0"/>
+              <a:t>I’m working with a platform called Uttaradhikari that helps Indian families securely store and share financial information with nominees. It’s free, private, and made to prevent loss of unclaimed assets. Would love to collaborate or have you share it with your audience. Happy to credit you too!</a:t>
+            </a:r>
+            <a:r>
               <a:rPr kumimoji="0" lang="en-US" altLang="en-US" sz="2400" b="0" i="0" u="none" strike="noStrike" cap="none" normalizeH="0" baseline="0" dirty="0">
                 <a:ln>
                   <a:noFill/>
@@ -5235,58 +5216,7 @@
                 <a:effectLst/>
                 <a:latin typeface="Arial" panose="020B0604020202020204" pitchFamily="34" charset="0"/>
               </a:rPr>
-              <a:t>I’m part of a mission-driven platform called </a:t>
-            </a:r>
-            <a:r>
-              <a:rPr kumimoji="0" lang="en-US" altLang="en-US" sz="2400" b="0" i="1" u="none" strike="noStrike" cap="none" normalizeH="0" baseline="0" dirty="0">
-                <a:ln>
-                  <a:noFill/>
-                </a:ln>
-                <a:solidFill>
-                  <a:schemeClr val="tx1"/>
-                </a:solidFill>
-                <a:effectLst/>
-                <a:latin typeface="Arial" panose="020B0604020202020204" pitchFamily="34" charset="0"/>
-              </a:rPr>
-              <a:t>Uttaradhikari</a:t>
-            </a:r>
-            <a:r>
-              <a:rPr kumimoji="0" lang="en-US" altLang="en-US" sz="2400" b="0" i="0" u="none" strike="noStrike" cap="none" normalizeH="0" baseline="0" dirty="0">
-                <a:ln>
-                  <a:noFill/>
-                </a:ln>
-                <a:solidFill>
-                  <a:schemeClr val="tx1"/>
-                </a:solidFill>
-                <a:effectLst/>
-                <a:latin typeface="Arial" panose="020B0604020202020204" pitchFamily="34" charset="0"/>
-              </a:rPr>
-              <a:t> that helps people store and share their financial info securely with nominees.</a:t>
-            </a:r>
-            <a:br>
-              <a:rPr kumimoji="0" lang="en-US" altLang="en-US" sz="2400" b="0" i="0" u="none" strike="noStrike" cap="none" normalizeH="0" baseline="0" dirty="0">
-                <a:ln>
-                  <a:noFill/>
-                </a:ln>
-                <a:solidFill>
-                  <a:schemeClr val="tx1"/>
-                </a:solidFill>
-                <a:effectLst/>
-                <a:latin typeface="Arial" panose="020B0604020202020204" pitchFamily="34" charset="0"/>
-              </a:rPr>
-            </a:br>
-            <a:r>
-              <a:rPr kumimoji="0" lang="en-US" altLang="en-US" sz="2400" b="0" i="0" u="none" strike="noStrike" cap="none" normalizeH="0" baseline="0" dirty="0">
-                <a:ln>
-                  <a:noFill/>
-                </a:ln>
-                <a:solidFill>
-                  <a:schemeClr val="tx1"/>
-                </a:solidFill>
-                <a:effectLst/>
-                <a:latin typeface="Arial" panose="020B0604020202020204" pitchFamily="34" charset="0"/>
-              </a:rPr>
-              <a:t>It’s free, private, and designed for Indian families. Would you be open to sharing it with your audience? Happy to collaborate or credit you on our platform.</a:t>
+              <a:t>.</a:t>
             </a:r>
             <a:endParaRPr kumimoji="0" lang="en-US" altLang="en-US" sz="2400" b="1" i="0" u="none" strike="noStrike" cap="none" normalizeH="0" baseline="0" dirty="0">
               <a:ln>
@@ -5443,8 +5373,8 @@
         </p:nvSpPr>
         <p:spPr bwMode="auto">
           <a:xfrm>
-            <a:off x="539827" y="1243773"/>
-            <a:ext cx="11182120" cy="4893647"/>
+            <a:off x="539827" y="1059107"/>
+            <a:ext cx="11182120" cy="5262979"/>
           </a:xfrm>
           <a:prstGeom prst="rect">
             <a:avLst/>
@@ -5526,52 +5456,29 @@
             </a:endParaRPr>
           </a:p>
           <a:p>
-            <a:pPr marL="0" marR="0" lvl="0" indent="0" algn="l" defTabSz="914400" rtl="0" eaLnBrk="0" fontAlgn="base" latinLnBrk="0" hangingPunct="0">
-              <a:lnSpc>
-                <a:spcPct val="100000"/>
-              </a:lnSpc>
+            <a:pPr lvl="0" eaLnBrk="0" fontAlgn="base" hangingPunct="0">
               <a:spcBef>
                 <a:spcPct val="0"/>
               </a:spcBef>
               <a:spcAft>
                 <a:spcPct val="0"/>
               </a:spcAft>
-              <a:buClrTx/>
-              <a:buSzTx/>
-              <a:buFontTx/>
-              <a:buNone/>
-              <a:tabLst/>
             </a:pPr>
             <a:r>
-              <a:rPr kumimoji="0" lang="en-US" altLang="en-US" sz="2400" b="0" i="0" u="none" strike="noStrike" cap="none" normalizeH="0" baseline="0" dirty="0">
-                <a:ln>
-                  <a:noFill/>
-                </a:ln>
-                <a:solidFill>
-                  <a:schemeClr val="tx1"/>
-                </a:solidFill>
-                <a:effectLst/>
+              <a:rPr lang="en-US" sz="2400" dirty="0">
                 <a:latin typeface="Arial" panose="020B0604020202020204" pitchFamily="34" charset="0"/>
               </a:rPr>
               <a:t>Long-term traffic and education-driven conversions.</a:t>
             </a:r>
           </a:p>
           <a:p>
-            <a:pPr marL="0" marR="0" lvl="0" indent="0" algn="l" defTabSz="914400" rtl="0" eaLnBrk="0" fontAlgn="base" latinLnBrk="0" hangingPunct="0">
-              <a:lnSpc>
-                <a:spcPct val="100000"/>
-              </a:lnSpc>
+            <a:pPr lvl="0" eaLnBrk="0" fontAlgn="base" hangingPunct="0">
               <a:spcBef>
                 <a:spcPct val="0"/>
               </a:spcBef>
               <a:spcAft>
                 <a:spcPct val="0"/>
               </a:spcAft>
-              <a:buClrTx/>
-              <a:buSzTx/>
-              <a:buFontTx/>
-              <a:buNone/>
-              <a:tabLst/>
             </a:pPr>
             <a:endParaRPr kumimoji="0" lang="en-US" altLang="en-US" sz="2400" b="1" i="0" u="none" strike="noStrike" cap="none" normalizeH="0" baseline="0" dirty="0">
               <a:ln>
@@ -5822,6 +5729,36 @@
                 <a:latin typeface="Arial" panose="020B0604020202020204" pitchFamily="34" charset="0"/>
               </a:rPr>
               <a:t>“Nominee vs Legal Heir: What Indian families should know”</a:t>
+            </a:r>
+          </a:p>
+          <a:p>
+            <a:pPr eaLnBrk="0" fontAlgn="base" hangingPunct="0">
+              <a:spcBef>
+                <a:spcPct val="0"/>
+              </a:spcBef>
+              <a:spcAft>
+                <a:spcPct val="0"/>
+              </a:spcAft>
+              <a:buFontTx/>
+              <a:buChar char="•"/>
+            </a:pPr>
+            <a:r>
+              <a:rPr lang="en-US" altLang="en-US" sz="2400" dirty="0">
+                <a:latin typeface="Arial" panose="020B0604020202020204" pitchFamily="34" charset="0"/>
+              </a:rPr>
+              <a:t>“</a:t>
+            </a:r>
+            <a:r>
+              <a:rPr lang="en-US" sz="2400" dirty="0">
+                <a:latin typeface="Arial" panose="020B0604020202020204" pitchFamily="34" charset="0"/>
+              </a:rPr>
+              <a:t>What your nominee must know before it’s too late</a:t>
+            </a:r>
+            <a:r>
+              <a:rPr lang="en-US" altLang="en-US" sz="2400" dirty="0">
+                <a:latin typeface="Arial" panose="020B0604020202020204" pitchFamily="34" charset="0"/>
+              </a:rPr>
+              <a:t>”</a:t>
             </a:r>
           </a:p>
           <a:p>
